--- a/bike_share_presentation-en.pptx
+++ b/bike_share_presentation-en.pptx
@@ -8287,7 +8287,23 @@
                   <a:schemeClr val="accent2"/>
                 </a:solidFill>
               </a:rPr>
-              <a:t> August 28th, 2025</a:t>
+              <a:t> </a:t>
+            </a:r>
+            <a:r>
+              <a:rPr lang="pt-BR" sz="2000">
+                <a:solidFill>
+                  <a:schemeClr val="accent2"/>
+                </a:solidFill>
+              </a:rPr>
+              <a:t>August 29th</a:t>
+            </a:r>
+            <a:r>
+              <a:rPr lang="pt-BR" sz="2000" dirty="0">
+                <a:solidFill>
+                  <a:schemeClr val="accent2"/>
+                </a:solidFill>
+              </a:rPr>
+              <a:t>, 2025</a:t>
             </a:r>
             <a:endParaRPr sz="2000" dirty="0">
               <a:solidFill>
@@ -10145,7 +10161,7 @@
                 <a:spcPts val="0"/>
               </a:spcBef>
               <a:spcAft>
-                <a:spcPts val="0"/>
+                <a:spcPts val="600"/>
               </a:spcAft>
               <a:buClr>
                 <a:schemeClr val="accent2"/>
@@ -10248,6 +10264,240 @@
                 </a:solidFill>
               </a:rPr>
               <a:t> weekends.</a:t>
+            </a:r>
+          </a:p>
+          <a:p>
+            <a:pPr marL="457200" lvl="0" indent="-342900" algn="l" rtl="0">
+              <a:spcBef>
+                <a:spcPts val="0"/>
+              </a:spcBef>
+              <a:spcAft>
+                <a:spcPts val="600"/>
+              </a:spcAft>
+              <a:buClr>
+                <a:schemeClr val="accent2"/>
+              </a:buClr>
+              <a:buSzPts val="1800"/>
+              <a:buChar char="●"/>
+            </a:pPr>
+            <a:r>
+              <a:rPr lang="pt-BR" dirty="0" err="1">
+                <a:solidFill>
+                  <a:schemeClr val="accent2"/>
+                </a:solidFill>
+              </a:rPr>
+              <a:t>Shorter</a:t>
+            </a:r>
+            <a:r>
+              <a:rPr lang="pt-BR" dirty="0">
+                <a:solidFill>
+                  <a:schemeClr val="accent2"/>
+                </a:solidFill>
+              </a:rPr>
+              <a:t> rides </a:t>
+            </a:r>
+            <a:r>
+              <a:rPr lang="pt-BR" dirty="0" err="1">
+                <a:solidFill>
+                  <a:schemeClr val="accent2"/>
+                </a:solidFill>
+              </a:rPr>
+              <a:t>indicate</a:t>
+            </a:r>
+            <a:r>
+              <a:rPr lang="pt-BR" dirty="0">
+                <a:solidFill>
+                  <a:schemeClr val="accent2"/>
+                </a:solidFill>
+              </a:rPr>
+              <a:t> </a:t>
+            </a:r>
+            <a:r>
+              <a:rPr lang="pt-BR" dirty="0" err="1">
+                <a:solidFill>
+                  <a:schemeClr val="accent2"/>
+                </a:solidFill>
+                <a:highlight>
+                  <a:srgbClr val="EEFF41"/>
+                </a:highlight>
+              </a:rPr>
+              <a:t>commuting</a:t>
+            </a:r>
+            <a:r>
+              <a:rPr lang="pt-BR" dirty="0">
+                <a:solidFill>
+                  <a:schemeClr val="accent2"/>
+                </a:solidFill>
+              </a:rPr>
+              <a:t> </a:t>
+            </a:r>
+            <a:r>
+              <a:rPr lang="pt-BR" dirty="0" err="1">
+                <a:solidFill>
+                  <a:schemeClr val="accent2"/>
+                </a:solidFill>
+              </a:rPr>
+              <a:t>behavior</a:t>
+            </a:r>
+            <a:r>
+              <a:rPr lang="pt-BR" dirty="0">
+                <a:solidFill>
+                  <a:schemeClr val="accent2"/>
+                </a:solidFill>
+              </a:rPr>
+              <a:t> </a:t>
+            </a:r>
+            <a:r>
+              <a:rPr lang="pt-BR" dirty="0" err="1">
+                <a:solidFill>
+                  <a:schemeClr val="accent2"/>
+                </a:solidFill>
+              </a:rPr>
+              <a:t>by</a:t>
+            </a:r>
+            <a:r>
+              <a:rPr lang="pt-BR" dirty="0">
+                <a:solidFill>
+                  <a:schemeClr val="accent2"/>
+                </a:solidFill>
+              </a:rPr>
+              <a:t> </a:t>
+            </a:r>
+            <a:r>
+              <a:rPr lang="pt-BR" dirty="0" err="1">
+                <a:solidFill>
+                  <a:schemeClr val="accent2"/>
+                </a:solidFill>
+              </a:rPr>
+              <a:t>members</a:t>
+            </a:r>
+            <a:r>
+              <a:rPr lang="pt-BR" dirty="0">
+                <a:solidFill>
+                  <a:schemeClr val="accent2"/>
+                </a:solidFill>
+              </a:rPr>
+              <a:t>.</a:t>
+            </a:r>
+          </a:p>
+          <a:p>
+            <a:pPr marL="457200" lvl="0" indent="-342900" algn="l" rtl="0">
+              <a:spcBef>
+                <a:spcPts val="0"/>
+              </a:spcBef>
+              <a:spcAft>
+                <a:spcPts val="600"/>
+              </a:spcAft>
+              <a:buClr>
+                <a:schemeClr val="accent2"/>
+              </a:buClr>
+              <a:buSzPts val="1800"/>
+              <a:buChar char="●"/>
+            </a:pPr>
+            <a:r>
+              <a:rPr lang="pt-BR" dirty="0" err="1">
+                <a:solidFill>
+                  <a:schemeClr val="accent2"/>
+                </a:solidFill>
+              </a:rPr>
+              <a:t>Longer</a:t>
+            </a:r>
+            <a:r>
+              <a:rPr lang="pt-BR" dirty="0">
+                <a:solidFill>
+                  <a:schemeClr val="accent2"/>
+                </a:solidFill>
+              </a:rPr>
+              <a:t> rides </a:t>
+            </a:r>
+            <a:r>
+              <a:rPr lang="pt-BR" dirty="0" err="1">
+                <a:solidFill>
+                  <a:schemeClr val="accent2"/>
+                </a:solidFill>
+              </a:rPr>
+              <a:t>may</a:t>
+            </a:r>
+            <a:r>
+              <a:rPr lang="pt-BR" dirty="0">
+                <a:solidFill>
+                  <a:schemeClr val="accent2"/>
+                </a:solidFill>
+              </a:rPr>
+              <a:t> </a:t>
+            </a:r>
+            <a:r>
+              <a:rPr lang="pt-BR" dirty="0" err="1">
+                <a:solidFill>
+                  <a:schemeClr val="accent2"/>
+                </a:solidFill>
+              </a:rPr>
+              <a:t>indicate</a:t>
+            </a:r>
+            <a:r>
+              <a:rPr lang="pt-BR" dirty="0">
+                <a:solidFill>
+                  <a:schemeClr val="accent2"/>
+                </a:solidFill>
+              </a:rPr>
+              <a:t> </a:t>
+            </a:r>
+            <a:r>
+              <a:rPr lang="pt-BR" dirty="0" err="1">
+                <a:solidFill>
+                  <a:schemeClr val="accent2"/>
+                </a:solidFill>
+              </a:rPr>
+              <a:t>cycling</a:t>
+            </a:r>
+            <a:r>
+              <a:rPr lang="pt-BR" dirty="0">
+                <a:solidFill>
+                  <a:schemeClr val="accent2"/>
+                </a:solidFill>
+              </a:rPr>
+              <a:t> for </a:t>
+            </a:r>
+            <a:r>
+              <a:rPr lang="pt-BR" dirty="0" err="1">
+                <a:solidFill>
+                  <a:schemeClr val="accent2"/>
+                </a:solidFill>
+                <a:highlight>
+                  <a:srgbClr val="EEFF41"/>
+                </a:highlight>
+              </a:rPr>
+              <a:t>sport</a:t>
+            </a:r>
+            <a:r>
+              <a:rPr lang="pt-BR" dirty="0">
+                <a:solidFill>
+                  <a:schemeClr val="accent2"/>
+                </a:solidFill>
+                <a:highlight>
+                  <a:srgbClr val="EEFF41"/>
+                </a:highlight>
+              </a:rPr>
+              <a:t>/</a:t>
+            </a:r>
+            <a:r>
+              <a:rPr lang="pt-BR" dirty="0" err="1">
+                <a:solidFill>
+                  <a:schemeClr val="accent2"/>
+                </a:solidFill>
+                <a:highlight>
+                  <a:srgbClr val="EEFF41"/>
+                </a:highlight>
+              </a:rPr>
+              <a:t>leisure</a:t>
+            </a:r>
+            <a:r>
+              <a:rPr lang="pt-BR" dirty="0">
+                <a:solidFill>
+                  <a:schemeClr val="accent2"/>
+                </a:solidFill>
+              </a:rPr>
+              <a:t>.</a:t>
             </a:r>
           </a:p>
         </p:txBody>
@@ -11371,6 +11621,9 @@
                 <a:solidFill>
                   <a:schemeClr val="accent2"/>
                 </a:solidFill>
+                <a:highlight>
+                  <a:srgbClr val="EEFF41"/>
+                </a:highlight>
               </a:rPr>
               <a:t>touristic</a:t>
             </a:r>
@@ -11379,6 +11632,9 @@
                 <a:solidFill>
                   <a:schemeClr val="accent2"/>
                 </a:solidFill>
+                <a:highlight>
+                  <a:srgbClr val="EEFF41"/>
+                </a:highlight>
               </a:rPr>
               <a:t> </a:t>
             </a:r>
@@ -11387,6 +11643,9 @@
                 <a:solidFill>
                   <a:schemeClr val="accent2"/>
                 </a:solidFill>
+                <a:highlight>
+                  <a:srgbClr val="EEFF41"/>
+                </a:highlight>
               </a:rPr>
               <a:t>or</a:t>
             </a:r>
@@ -11395,6 +11654,9 @@
                 <a:solidFill>
                   <a:schemeClr val="accent2"/>
                 </a:solidFill>
+                <a:highlight>
+                  <a:srgbClr val="EEFF41"/>
+                </a:highlight>
               </a:rPr>
               <a:t> </a:t>
             </a:r>
@@ -11403,6 +11665,9 @@
                 <a:solidFill>
                   <a:schemeClr val="accent2"/>
                 </a:solidFill>
+                <a:highlight>
+                  <a:srgbClr val="EEFF41"/>
+                </a:highlight>
               </a:rPr>
               <a:t>leisure</a:t>
             </a:r>
@@ -11411,8 +11676,19 @@
                 <a:solidFill>
                   <a:schemeClr val="accent2"/>
                 </a:solidFill>
-              </a:rPr>
-              <a:t> spots.</a:t>
+                <a:highlight>
+                  <a:srgbClr val="EEFF41"/>
+                </a:highlight>
+              </a:rPr>
+              <a:t> spots</a:t>
+            </a:r>
+            <a:r>
+              <a:rPr lang="pt-BR" sz="1600" dirty="0">
+                <a:solidFill>
+                  <a:schemeClr val="accent2"/>
+                </a:solidFill>
+              </a:rPr>
+              <a:t>.</a:t>
             </a:r>
           </a:p>
           <a:p>
@@ -11709,7 +11985,7 @@
         <p:spPr>
           <a:xfrm>
             <a:off x="311701" y="666892"/>
-            <a:ext cx="3222146" cy="4315057"/>
+            <a:ext cx="3222146" cy="4476608"/>
           </a:xfrm>
           <a:prstGeom prst="rect">
             <a:avLst/>
@@ -11717,7 +11993,7 @@
         </p:spPr>
         <p:txBody>
           <a:bodyPr spcFirstLastPara="1" wrap="square" lIns="91425" tIns="91425" rIns="91425" bIns="91425" anchor="t" anchorCtr="0">
-            <a:normAutofit/>
+            <a:normAutofit lnSpcReduction="10000"/>
           </a:bodyPr>
           <a:lstStyle/>
           <a:p>
@@ -11859,6 +12135,64 @@
                 </a:solidFill>
               </a:rPr>
               <a:t>mostly located in high-density mixed-use zoning areas, where apartment buildings are the norm.</a:t>
+            </a:r>
+          </a:p>
+          <a:p>
+            <a:pPr marL="457200" lvl="0" indent="-342900" rtl="0">
+              <a:spcBef>
+                <a:spcPts val="0"/>
+              </a:spcBef>
+              <a:spcAft>
+                <a:spcPts val="600"/>
+              </a:spcAft>
+              <a:buClr>
+                <a:schemeClr val="accent2"/>
+              </a:buClr>
+              <a:buSzPts val="1800"/>
+              <a:buChar char="●"/>
+            </a:pPr>
+            <a:r>
+              <a:rPr lang="en-US" sz="1600" dirty="0">
+                <a:solidFill>
+                  <a:schemeClr val="accent2"/>
+                </a:solidFill>
+              </a:rPr>
+              <a:t>This suggests that casuals use </a:t>
+            </a:r>
+            <a:r>
+              <a:rPr lang="en-US" sz="1600" dirty="0" err="1">
+                <a:solidFill>
+                  <a:schemeClr val="accent2"/>
+                </a:solidFill>
+              </a:rPr>
+              <a:t>Cyclistic</a:t>
+            </a:r>
+            <a:r>
+              <a:rPr lang="en-US" sz="1600" dirty="0">
+                <a:solidFill>
+                  <a:schemeClr val="accent2"/>
+                </a:solidFill>
+              </a:rPr>
+              <a:t> for </a:t>
+            </a:r>
+            <a:r>
+              <a:rPr lang="en-US" sz="1600" dirty="0">
+                <a:solidFill>
+                  <a:schemeClr val="accent2"/>
+                </a:solidFill>
+                <a:highlight>
+                  <a:srgbClr val="EEFF41"/>
+                </a:highlight>
+              </a:rPr>
+              <a:t>everyday commuting</a:t>
+            </a:r>
+            <a:r>
+              <a:rPr lang="en-US" sz="1600" dirty="0">
+                <a:solidFill>
+                  <a:schemeClr val="accent2"/>
+                </a:solidFill>
+              </a:rPr>
+              <a:t>.</a:t>
             </a:r>
             <a:endParaRPr sz="1600" dirty="0">
               <a:solidFill>
@@ -12038,7 +12372,7 @@
         </p:nvSpPr>
         <p:spPr>
           <a:xfrm>
-            <a:off x="311700" y="229425"/>
+            <a:off x="311700" y="92428"/>
             <a:ext cx="8520600" cy="572700"/>
           </a:xfrm>
           <a:prstGeom prst="rect">
@@ -12061,14 +12395,14 @@
               <a:buNone/>
             </a:pPr>
             <a:r>
-              <a:rPr lang="pt-BR" b="1">
+              <a:rPr lang="pt-BR" b="1" dirty="0" err="1">
                 <a:solidFill>
                   <a:schemeClr val="accent2"/>
                 </a:solidFill>
               </a:rPr>
               <a:t>Conclusions</a:t>
             </a:r>
-            <a:endParaRPr b="1">
+            <a:endParaRPr b="1" dirty="0">
               <a:solidFill>
                 <a:schemeClr val="accent2"/>
               </a:solidFill>
@@ -12131,14 +12465,14 @@
           <p:nvPr>
             <p:extLst>
               <p:ext uri="{D42A27DB-BD31-4B8C-83A1-F6EECF244321}">
-                <p14:modId xmlns:p14="http://schemas.microsoft.com/office/powerpoint/2010/main" val="2026042109"/>
+                <p14:modId xmlns:p14="http://schemas.microsoft.com/office/powerpoint/2010/main" val="128797763"/>
               </p:ext>
             </p:extLst>
           </p:nvPr>
         </p:nvGraphicFramePr>
         <p:xfrm>
-          <a:off x="378136" y="976592"/>
-          <a:ext cx="8335443" cy="3784753"/>
+          <a:off x="311700" y="770021"/>
+          <a:ext cx="8520600" cy="4200741"/>
         </p:xfrm>
         <a:graphic>
           <a:graphicData uri="http://schemas.openxmlformats.org/drawingml/2006/table">
@@ -12147,21 +12481,21 @@
                 <a:tableStyleId>{BA415CF1-B79D-4650-8D39-2881BFE93EAF}</a:tableStyleId>
               </a:tblPr>
               <a:tblGrid>
-                <a:gridCol w="2358494">
+                <a:gridCol w="2410884">
                   <a:extLst>
                     <a:ext uri="{9D8B030D-6E8A-4147-A177-3AD203B41FA5}">
                       <a16:colId xmlns:a16="http://schemas.microsoft.com/office/drawing/2014/main" val="2956908257"/>
                     </a:ext>
                   </a:extLst>
                 </a:gridCol>
-                <a:gridCol w="3011027">
+                <a:gridCol w="3077911">
                   <a:extLst>
                     <a:ext uri="{9D8B030D-6E8A-4147-A177-3AD203B41FA5}">
                       <a16:colId xmlns:a16="http://schemas.microsoft.com/office/drawing/2014/main" val="3661175329"/>
                     </a:ext>
                   </a:extLst>
                 </a:gridCol>
-                <a:gridCol w="2965922">
+                <a:gridCol w="3031805">
                   <a:extLst>
                     <a:ext uri="{9D8B030D-6E8A-4147-A177-3AD203B41FA5}">
                       <a16:colId xmlns:a16="http://schemas.microsoft.com/office/drawing/2014/main" val="415513391"/>
@@ -12169,14 +12503,14 @@
                   </a:extLst>
                 </a:gridCol>
               </a:tblGrid>
-              <a:tr h="540679">
+              <a:tr h="519618">
                 <a:tc>
                   <a:txBody>
                     <a:bodyPr/>
                     <a:lstStyle/>
                     <a:p>
                       <a:pPr algn="ctr"/>
-                      <a:endParaRPr lang="en-US" b="1" dirty="0"/>
+                      <a:endParaRPr lang="en-US" sz="1400" b="1" dirty="0"/>
                     </a:p>
                   </a:txBody>
                   <a:tcPr anchor="ctr">
@@ -12194,10 +12528,10 @@
                     <a:p>
                       <a:pPr algn="ctr"/>
                       <a:r>
-                        <a:rPr lang="pt-BR" b="1" dirty="0" err="1"/>
-                        <a:t>Member</a:t>
+                        <a:rPr lang="pt-BR" sz="1400" b="1" dirty="0" err="1"/>
+                        <a:t>Members</a:t>
                       </a:r>
-                      <a:endParaRPr lang="en-US" b="1" dirty="0"/>
+                      <a:endParaRPr lang="en-US" sz="1400" b="1" dirty="0"/>
                     </a:p>
                   </a:txBody>
                   <a:tcPr anchor="ctr">
@@ -12215,10 +12549,10 @@
                     <a:p>
                       <a:pPr algn="ctr"/>
                       <a:r>
-                        <a:rPr lang="pt-BR" b="1" dirty="0"/>
-                        <a:t>Casual</a:t>
+                        <a:rPr lang="pt-BR" sz="1400" b="1" dirty="0" err="1"/>
+                        <a:t>Casuals</a:t>
                       </a:r>
-                      <a:endParaRPr lang="en-US" b="1" dirty="0"/>
+                      <a:endParaRPr lang="en-US" sz="1400" b="1" dirty="0"/>
                     </a:p>
                   </a:txBody>
                   <a:tcPr anchor="ctr">
@@ -12235,7 +12569,7 @@
                   </a:ext>
                 </a:extLst>
               </a:tr>
-              <a:tr h="540679">
+              <a:tr h="534217">
                 <a:tc>
                   <a:txBody>
                     <a:bodyPr/>
@@ -12243,10 +12577,10 @@
                     <a:p>
                       <a:pPr algn="ctr"/>
                       <a:r>
-                        <a:rPr lang="pt-BR" b="1" dirty="0" err="1"/>
+                        <a:rPr lang="pt-BR" sz="1400" b="1" dirty="0" err="1"/>
                         <a:t>Months</a:t>
                       </a:r>
-                      <a:endParaRPr lang="en-US" b="1" dirty="0"/>
+                      <a:endParaRPr lang="en-US" sz="1400" b="1" dirty="0"/>
                     </a:p>
                   </a:txBody>
                   <a:tcPr anchor="ctr"/>
@@ -12276,34 +12610,34 @@
                         <a:defRPr/>
                       </a:pPr>
                       <a:r>
-                        <a:rPr lang="pt-BR" dirty="0" err="1"/>
+                        <a:rPr lang="pt-BR" sz="1400" dirty="0" err="1"/>
                         <a:t>Majority</a:t>
                       </a:r>
                       <a:r>
-                        <a:rPr lang="pt-BR" dirty="0"/>
+                        <a:rPr lang="pt-BR" sz="1400" dirty="0"/>
                         <a:t> </a:t>
                       </a:r>
                       <a:r>
-                        <a:rPr lang="pt-BR" dirty="0" err="1"/>
+                        <a:rPr lang="pt-BR" sz="1400" dirty="0" err="1"/>
                         <a:t>of</a:t>
                       </a:r>
                       <a:r>
-                        <a:rPr lang="pt-BR" dirty="0"/>
+                        <a:rPr lang="pt-BR" sz="1400" dirty="0"/>
                         <a:t> rides in </a:t>
                       </a:r>
                       <a:r>
-                        <a:rPr lang="pt-BR" dirty="0" err="1"/>
+                        <a:rPr lang="pt-BR" sz="1400" dirty="0" err="1"/>
                         <a:t>June-Oct</a:t>
                       </a:r>
                       <a:r>
-                        <a:rPr lang="pt-BR" dirty="0"/>
+                        <a:rPr lang="pt-BR" sz="1400" dirty="0"/>
                         <a:t>. </a:t>
                       </a:r>
                       <a:r>
-                        <a:rPr lang="pt-BR" dirty="0" err="1"/>
+                        <a:rPr lang="pt-BR" sz="1400" dirty="0" err="1"/>
                         <a:t>period</a:t>
                       </a:r>
-                      <a:endParaRPr lang="en-US" dirty="0"/>
+                      <a:endParaRPr lang="en-US" sz="1400" dirty="0"/>
                     </a:p>
                   </a:txBody>
                   <a:tcPr anchor="ctr"/>
@@ -12315,42 +12649,42 @@
                     <a:p>
                       <a:pPr algn="l"/>
                       <a:r>
-                        <a:rPr lang="pt-BR" dirty="0" err="1"/>
+                        <a:rPr lang="pt-BR" sz="1400" dirty="0" err="1"/>
                         <a:t>Vast</a:t>
                       </a:r>
                       <a:r>
-                        <a:rPr lang="pt-BR" dirty="0"/>
+                        <a:rPr lang="pt-BR" sz="1400" dirty="0"/>
                         <a:t> </a:t>
                       </a:r>
                       <a:r>
-                        <a:rPr lang="pt-BR" dirty="0" err="1"/>
+                        <a:rPr lang="pt-BR" sz="1400" dirty="0" err="1"/>
                         <a:t>majority</a:t>
                       </a:r>
                       <a:r>
-                        <a:rPr lang="pt-BR" dirty="0"/>
+                        <a:rPr lang="pt-BR" sz="1400" dirty="0"/>
                         <a:t> </a:t>
                       </a:r>
                       <a:r>
-                        <a:rPr lang="pt-BR" dirty="0" err="1"/>
+                        <a:rPr lang="pt-BR" sz="1400" dirty="0" err="1"/>
                         <a:t>of</a:t>
                       </a:r>
                       <a:r>
-                        <a:rPr lang="pt-BR" dirty="0"/>
+                        <a:rPr lang="pt-BR" sz="1400" dirty="0"/>
                         <a:t> rides in </a:t>
                       </a:r>
                       <a:r>
-                        <a:rPr lang="pt-BR" dirty="0" err="1"/>
+                        <a:rPr lang="pt-BR" sz="1400" dirty="0" err="1"/>
                         <a:t>June-Oct</a:t>
                       </a:r>
                       <a:r>
-                        <a:rPr lang="pt-BR" dirty="0"/>
+                        <a:rPr lang="pt-BR" sz="1400" dirty="0"/>
                         <a:t>. </a:t>
                       </a:r>
                       <a:r>
-                        <a:rPr lang="pt-BR" dirty="0" err="1"/>
+                        <a:rPr lang="pt-BR" sz="1400" dirty="0" err="1"/>
                         <a:t>period</a:t>
                       </a:r>
-                      <a:endParaRPr lang="en-US" dirty="0"/>
+                      <a:endParaRPr lang="en-US" sz="1400" dirty="0"/>
                     </a:p>
                   </a:txBody>
                   <a:tcPr anchor="ctr"/>
@@ -12361,7 +12695,7 @@
                   </a:ext>
                 </a:extLst>
               </a:tr>
-              <a:tr h="540679">
+              <a:tr h="519618">
                 <a:tc>
                   <a:txBody>
                     <a:bodyPr/>
@@ -12369,34 +12703,34 @@
                     <a:p>
                       <a:pPr algn="ctr"/>
                       <a:r>
-                        <a:rPr lang="pt-BR" b="1" dirty="0" err="1"/>
+                        <a:rPr lang="pt-BR" sz="1400" b="1" dirty="0" err="1"/>
                         <a:t>Days</a:t>
                       </a:r>
                       <a:r>
-                        <a:rPr lang="pt-BR" b="1" dirty="0"/>
+                        <a:rPr lang="pt-BR" sz="1400" b="1" dirty="0"/>
                         <a:t> </a:t>
                       </a:r>
                       <a:r>
-                        <a:rPr lang="pt-BR" b="1" dirty="0" err="1"/>
+                        <a:rPr lang="pt-BR" sz="1400" b="1" dirty="0" err="1"/>
                         <a:t>of</a:t>
                       </a:r>
                       <a:r>
-                        <a:rPr lang="pt-BR" b="1" dirty="0"/>
+                        <a:rPr lang="pt-BR" sz="1400" b="1" dirty="0"/>
                         <a:t> </a:t>
                       </a:r>
                       <a:r>
-                        <a:rPr lang="pt-BR" b="1" dirty="0" err="1"/>
+                        <a:rPr lang="pt-BR" sz="1400" b="1" dirty="0" err="1"/>
                         <a:t>the</a:t>
                       </a:r>
                       <a:r>
-                        <a:rPr lang="pt-BR" b="1" dirty="0"/>
+                        <a:rPr lang="pt-BR" sz="1400" b="1" dirty="0"/>
                         <a:t> </a:t>
                       </a:r>
                       <a:r>
-                        <a:rPr lang="pt-BR" b="1" dirty="0" err="1"/>
+                        <a:rPr lang="pt-BR" sz="1400" b="1" dirty="0" err="1"/>
                         <a:t>week</a:t>
                       </a:r>
-                      <a:endParaRPr lang="en-US" b="1" dirty="0"/>
+                      <a:endParaRPr lang="en-US" sz="1400" b="1" dirty="0"/>
                     </a:p>
                   </a:txBody>
                   <a:tcPr anchor="ctr">
@@ -12414,18 +12748,18 @@
                     <a:p>
                       <a:pPr algn="l"/>
                       <a:r>
-                        <a:rPr lang="pt-BR" dirty="0" err="1"/>
+                        <a:rPr lang="pt-BR" sz="1400" dirty="0" err="1"/>
                         <a:t>Preference</a:t>
                       </a:r>
                       <a:r>
-                        <a:rPr lang="pt-BR" dirty="0"/>
+                        <a:rPr lang="pt-BR" sz="1400" dirty="0"/>
                         <a:t> for </a:t>
                       </a:r>
                       <a:r>
-                        <a:rPr lang="pt-BR" dirty="0" err="1"/>
+                        <a:rPr lang="pt-BR" sz="1400" dirty="0" err="1"/>
                         <a:t>weekdays</a:t>
                       </a:r>
-                      <a:endParaRPr lang="en-US" dirty="0"/>
+                      <a:endParaRPr lang="en-US" sz="1400" dirty="0"/>
                     </a:p>
                   </a:txBody>
                   <a:tcPr anchor="ctr">
@@ -12443,18 +12777,18 @@
                     <a:p>
                       <a:pPr algn="l"/>
                       <a:r>
-                        <a:rPr lang="pt-BR" dirty="0"/>
+                        <a:rPr lang="pt-BR" sz="1400" dirty="0"/>
                         <a:t>Strong </a:t>
                       </a:r>
                       <a:r>
-                        <a:rPr lang="pt-BR" dirty="0" err="1"/>
+                        <a:rPr lang="pt-BR" sz="1400" dirty="0" err="1"/>
                         <a:t>preference</a:t>
                       </a:r>
                       <a:r>
-                        <a:rPr lang="pt-BR" dirty="0"/>
+                        <a:rPr lang="pt-BR" sz="1400" dirty="0"/>
                         <a:t> for weekends</a:t>
                       </a:r>
-                      <a:endParaRPr lang="en-US" dirty="0"/>
+                      <a:endParaRPr lang="en-US" sz="1400" dirty="0"/>
                     </a:p>
                   </a:txBody>
                   <a:tcPr anchor="ctr">
@@ -12471,7 +12805,7 @@
                   </a:ext>
                 </a:extLst>
               </a:tr>
-              <a:tr h="540679">
+              <a:tr h="519618">
                 <a:tc>
                   <a:txBody>
                     <a:bodyPr/>
@@ -12479,10 +12813,10 @@
                     <a:p>
                       <a:pPr algn="ctr"/>
                       <a:r>
-                        <a:rPr lang="pt-BR" b="1" dirty="0"/>
+                        <a:rPr lang="pt-BR" sz="1400" b="1" dirty="0"/>
                         <a:t>Time</a:t>
                       </a:r>
-                      <a:endParaRPr lang="en-US" b="1" dirty="0"/>
+                      <a:endParaRPr lang="en-US" sz="1400" b="1" dirty="0"/>
                     </a:p>
                   </a:txBody>
                   <a:tcPr anchor="ctr"/>
@@ -12494,30 +12828,30 @@
                     <a:p>
                       <a:pPr algn="l"/>
                       <a:r>
-                        <a:rPr lang="pt-BR" dirty="0" err="1"/>
+                        <a:rPr lang="pt-BR" sz="1400" dirty="0" err="1"/>
                         <a:t>Spikes</a:t>
                       </a:r>
                       <a:r>
-                        <a:rPr lang="pt-BR" dirty="0"/>
+                        <a:rPr lang="pt-BR" sz="1400" dirty="0"/>
                         <a:t> </a:t>
                       </a:r>
                       <a:r>
-                        <a:rPr lang="pt-BR" dirty="0" err="1"/>
+                        <a:rPr lang="pt-BR" sz="1400" dirty="0" err="1"/>
                         <a:t>at</a:t>
                       </a:r>
                       <a:r>
-                        <a:rPr lang="pt-BR" dirty="0"/>
+                        <a:rPr lang="pt-BR" sz="1400" dirty="0"/>
                         <a:t> 8 a.m. </a:t>
                       </a:r>
                       <a:r>
-                        <a:rPr lang="pt-BR" dirty="0" err="1"/>
+                        <a:rPr lang="pt-BR" sz="1400" dirty="0" err="1"/>
                         <a:t>and</a:t>
                       </a:r>
                       <a:r>
-                        <a:rPr lang="pt-BR" dirty="0"/>
+                        <a:rPr lang="pt-BR" sz="1400" dirty="0"/>
                         <a:t> 5 p.m.</a:t>
                       </a:r>
-                      <a:endParaRPr lang="en-US" dirty="0"/>
+                      <a:endParaRPr lang="en-US" sz="1400" dirty="0"/>
                     </a:p>
                   </a:txBody>
                   <a:tcPr anchor="ctr"/>
@@ -12529,22 +12863,22 @@
                     <a:p>
                       <a:pPr algn="l"/>
                       <a:r>
-                        <a:rPr lang="pt-BR" dirty="0"/>
+                        <a:rPr lang="pt-BR" sz="1400" dirty="0"/>
                         <a:t>Strong </a:t>
                       </a:r>
                       <a:r>
-                        <a:rPr lang="pt-BR" dirty="0" err="1"/>
+                        <a:rPr lang="pt-BR" sz="1400" dirty="0" err="1"/>
                         <a:t>preference</a:t>
                       </a:r>
                       <a:r>
-                        <a:rPr lang="pt-BR" dirty="0"/>
+                        <a:rPr lang="pt-BR" sz="1400" dirty="0"/>
                         <a:t> for </a:t>
                       </a:r>
                       <a:r>
-                        <a:rPr lang="pt-BR" dirty="0" err="1"/>
+                        <a:rPr lang="pt-BR" sz="1400" dirty="0" err="1"/>
                         <a:t>afternoon</a:t>
                       </a:r>
-                      <a:endParaRPr lang="en-US" dirty="0"/>
+                      <a:endParaRPr lang="en-US" sz="1400" dirty="0"/>
                     </a:p>
                   </a:txBody>
                   <a:tcPr anchor="ctr"/>
@@ -12555,7 +12889,7 @@
                   </a:ext>
                 </a:extLst>
               </a:tr>
-              <a:tr h="540679">
+              <a:tr h="519618">
                 <a:tc>
                   <a:txBody>
                     <a:bodyPr/>
@@ -12563,18 +12897,18 @@
                     <a:p>
                       <a:pPr algn="ctr"/>
                       <a:r>
-                        <a:rPr lang="pt-BR" b="1" dirty="0" err="1"/>
+                        <a:rPr lang="pt-BR" sz="1400" b="1" dirty="0" err="1"/>
                         <a:t>Avg</a:t>
                       </a:r>
                       <a:r>
-                        <a:rPr lang="pt-BR" b="1" dirty="0"/>
+                        <a:rPr lang="pt-BR" sz="1400" b="1" dirty="0"/>
                         <a:t>. </a:t>
                       </a:r>
                       <a:r>
-                        <a:rPr lang="pt-BR" b="1" dirty="0" err="1"/>
+                        <a:rPr lang="pt-BR" sz="1400" b="1" dirty="0" err="1"/>
                         <a:t>duration</a:t>
                       </a:r>
-                      <a:endParaRPr lang="en-US" b="1" dirty="0"/>
+                      <a:endParaRPr lang="en-US" sz="1400" b="1" dirty="0"/>
                     </a:p>
                   </a:txBody>
                   <a:tcPr anchor="ctr">
@@ -12592,26 +12926,26 @@
                     <a:p>
                       <a:pPr algn="l"/>
                       <a:r>
-                        <a:rPr lang="pt-BR" dirty="0" err="1"/>
+                        <a:rPr lang="pt-BR" sz="1400" dirty="0" err="1"/>
                         <a:t>Shorter</a:t>
                       </a:r>
                       <a:r>
-                        <a:rPr lang="pt-BR" dirty="0"/>
+                        <a:rPr lang="pt-BR" sz="1400" dirty="0"/>
                         <a:t> </a:t>
                       </a:r>
                       <a:r>
-                        <a:rPr lang="pt-BR" dirty="0" err="1"/>
+                        <a:rPr lang="pt-BR" sz="1400" dirty="0" err="1"/>
                         <a:t>average</a:t>
                       </a:r>
                       <a:r>
-                        <a:rPr lang="pt-BR" dirty="0"/>
+                        <a:rPr lang="pt-BR" sz="1400" dirty="0"/>
                         <a:t> ride </a:t>
                       </a:r>
                       <a:r>
-                        <a:rPr lang="pt-BR" dirty="0" err="1"/>
+                        <a:rPr lang="pt-BR" sz="1400" dirty="0" err="1"/>
                         <a:t>duration</a:t>
                       </a:r>
-                      <a:endParaRPr lang="en-US" dirty="0"/>
+                      <a:endParaRPr lang="en-US" sz="1400" dirty="0"/>
                     </a:p>
                   </a:txBody>
                   <a:tcPr anchor="ctr">
@@ -12647,26 +12981,26 @@
                         <a:defRPr/>
                       </a:pPr>
                       <a:r>
-                        <a:rPr lang="pt-BR" dirty="0" err="1"/>
+                        <a:rPr lang="pt-BR" sz="1400" dirty="0" err="1"/>
                         <a:t>Longer</a:t>
                       </a:r>
                       <a:r>
-                        <a:rPr lang="pt-BR" dirty="0"/>
+                        <a:rPr lang="pt-BR" sz="1400" dirty="0"/>
                         <a:t> </a:t>
                       </a:r>
                       <a:r>
-                        <a:rPr lang="pt-BR" dirty="0" err="1"/>
+                        <a:rPr lang="pt-BR" sz="1400" dirty="0" err="1"/>
                         <a:t>average</a:t>
                       </a:r>
                       <a:r>
-                        <a:rPr lang="pt-BR" dirty="0"/>
+                        <a:rPr lang="pt-BR" sz="1400" dirty="0"/>
                         <a:t> ride </a:t>
                       </a:r>
                       <a:r>
-                        <a:rPr lang="pt-BR" dirty="0" err="1"/>
+                        <a:rPr lang="pt-BR" sz="1400" dirty="0" err="1"/>
                         <a:t>duration</a:t>
                       </a:r>
-                      <a:endParaRPr lang="en-US" dirty="0"/>
+                      <a:endParaRPr lang="en-US" sz="1400" dirty="0"/>
                     </a:p>
                   </a:txBody>
                   <a:tcPr anchor="ctr">
@@ -12683,7 +13017,7 @@
                   </a:ext>
                 </a:extLst>
               </a:tr>
-              <a:tr h="540679">
+              <a:tr h="519618">
                 <a:tc>
                   <a:txBody>
                     <a:bodyPr/>
@@ -12691,14 +13025,14 @@
                     <a:p>
                       <a:pPr algn="ctr"/>
                       <a:r>
-                        <a:rPr lang="pt-BR" b="1" dirty="0"/>
+                        <a:rPr lang="pt-BR" sz="1400" b="1" dirty="0"/>
                         <a:t>Vehicle </a:t>
                       </a:r>
                       <a:r>
-                        <a:rPr lang="pt-BR" b="1" dirty="0" err="1"/>
+                        <a:rPr lang="pt-BR" sz="1400" b="1" dirty="0" err="1"/>
                         <a:t>preference</a:t>
                       </a:r>
-                      <a:endParaRPr lang="en-US" b="1" dirty="0"/>
+                      <a:endParaRPr lang="en-US" sz="1400" b="1" dirty="0"/>
                     </a:p>
                   </a:txBody>
                   <a:tcPr anchor="ctr"/>
@@ -12710,10 +13044,10 @@
                     <a:p>
                       <a:pPr algn="l"/>
                       <a:r>
-                        <a:rPr lang="pt-BR" dirty="0"/>
+                        <a:rPr lang="pt-BR" sz="1400" dirty="0"/>
                         <a:t>Classic bikes</a:t>
                       </a:r>
-                      <a:endParaRPr lang="en-US" dirty="0"/>
+                      <a:endParaRPr lang="en-US" sz="1400" dirty="0"/>
                     </a:p>
                   </a:txBody>
                   <a:tcPr anchor="ctr"/>
@@ -12725,10 +13059,10 @@
                     <a:p>
                       <a:pPr algn="l"/>
                       <a:r>
-                        <a:rPr lang="pt-BR" dirty="0"/>
+                        <a:rPr lang="pt-BR" sz="1400" dirty="0"/>
                         <a:t>Classic bikes</a:t>
                       </a:r>
-                      <a:endParaRPr lang="en-US" dirty="0"/>
+                      <a:endParaRPr lang="en-US" sz="1400" dirty="0"/>
                     </a:p>
                   </a:txBody>
                   <a:tcPr anchor="ctr"/>
@@ -12739,7 +13073,7 @@
                   </a:ext>
                 </a:extLst>
               </a:tr>
-              <a:tr h="540679">
+              <a:tr h="534217">
                 <a:tc>
                   <a:txBody>
                     <a:bodyPr/>
@@ -12747,18 +13081,18 @@
                     <a:p>
                       <a:pPr algn="ctr"/>
                       <a:r>
-                        <a:rPr lang="pt-BR" b="1" dirty="0" err="1"/>
+                        <a:rPr lang="pt-BR" sz="1400" b="1" dirty="0" err="1"/>
                         <a:t>Station</a:t>
                       </a:r>
                       <a:r>
-                        <a:rPr lang="pt-BR" b="1" dirty="0"/>
+                        <a:rPr lang="pt-BR" sz="1400" b="1" dirty="0"/>
                         <a:t> </a:t>
                       </a:r>
                       <a:r>
-                        <a:rPr lang="pt-BR" b="1" dirty="0" err="1"/>
+                        <a:rPr lang="pt-BR" sz="1400" b="1" dirty="0" err="1"/>
                         <a:t>preference</a:t>
                       </a:r>
-                      <a:endParaRPr lang="en-US" b="1" dirty="0"/>
+                      <a:endParaRPr lang="en-US" sz="1400" b="1" dirty="0"/>
                     </a:p>
                   </a:txBody>
                   <a:tcPr anchor="ctr">
@@ -12776,30 +13110,30 @@
                     <a:p>
                       <a:pPr algn="l"/>
                       <a:r>
-                        <a:rPr lang="pt-BR" dirty="0"/>
+                        <a:rPr lang="pt-BR" sz="1400" dirty="0"/>
                         <a:t>High-</a:t>
                       </a:r>
                       <a:r>
-                        <a:rPr lang="pt-BR" dirty="0" err="1"/>
+                        <a:rPr lang="pt-BR" sz="1400" dirty="0" err="1"/>
                         <a:t>density</a:t>
                       </a:r>
                       <a:r>
-                        <a:rPr lang="pt-BR" dirty="0"/>
+                        <a:rPr lang="pt-BR" sz="1400" dirty="0"/>
                         <a:t> </a:t>
                       </a:r>
                       <a:r>
-                        <a:rPr lang="pt-BR" dirty="0" err="1"/>
+                        <a:rPr lang="pt-BR" sz="1400" dirty="0" err="1"/>
                         <a:t>mixed</a:t>
                       </a:r>
                       <a:r>
-                        <a:rPr lang="pt-BR" dirty="0"/>
+                        <a:rPr lang="pt-BR" sz="1400" dirty="0"/>
                         <a:t>-use </a:t>
                       </a:r>
                       <a:r>
-                        <a:rPr lang="pt-BR" dirty="0" err="1"/>
+                        <a:rPr lang="pt-BR" sz="1400" dirty="0" err="1"/>
                         <a:t>neighborhoods</a:t>
                       </a:r>
-                      <a:endParaRPr lang="en-US" dirty="0"/>
+                      <a:endParaRPr lang="en-US" sz="1400" dirty="0"/>
                     </a:p>
                   </a:txBody>
                   <a:tcPr anchor="ctr">
@@ -12817,34 +13151,34 @@
                     <a:p>
                       <a:pPr algn="l"/>
                       <a:r>
-                        <a:rPr lang="pt-BR" dirty="0" err="1"/>
+                        <a:rPr lang="pt-BR" sz="1400" dirty="0" err="1"/>
                         <a:t>Touristic</a:t>
                       </a:r>
                       <a:r>
-                        <a:rPr lang="pt-BR" dirty="0"/>
+                        <a:rPr lang="pt-BR" sz="1400" dirty="0"/>
                         <a:t>/</a:t>
                       </a:r>
                       <a:r>
-                        <a:rPr lang="pt-BR" dirty="0" err="1"/>
+                        <a:rPr lang="pt-BR" sz="1400" dirty="0" err="1"/>
                         <a:t>leisure</a:t>
                       </a:r>
                       <a:r>
-                        <a:rPr lang="pt-BR" dirty="0"/>
+                        <a:rPr lang="pt-BR" sz="1400" dirty="0"/>
                         <a:t> </a:t>
                       </a:r>
                       <a:r>
-                        <a:rPr lang="pt-BR" dirty="0" err="1"/>
+                        <a:rPr lang="pt-BR" sz="1400" dirty="0" err="1"/>
                         <a:t>areas</a:t>
                       </a:r>
                       <a:r>
-                        <a:rPr lang="pt-BR" dirty="0"/>
+                        <a:rPr lang="pt-BR" sz="1400" dirty="0"/>
                         <a:t>, </a:t>
                       </a:r>
                       <a:r>
-                        <a:rPr lang="pt-BR" dirty="0" err="1"/>
+                        <a:rPr lang="pt-BR" sz="1400" dirty="0" err="1"/>
                         <a:t>waterfront</a:t>
                       </a:r>
-                      <a:endParaRPr lang="en-US" dirty="0"/>
+                      <a:endParaRPr lang="en-US" sz="1400" dirty="0"/>
                     </a:p>
                   </a:txBody>
                   <a:tcPr anchor="ctr">
@@ -12858,6 +13192,128 @@
                 <a:extLst>
                   <a:ext uri="{0D108BD9-81ED-4DB2-BD59-A6C34878D82A}">
                     <a16:rowId xmlns:a16="http://schemas.microsoft.com/office/drawing/2014/main" val="4147746457"/>
+                  </a:ext>
+                </a:extLst>
+              </a:tr>
+              <a:tr h="534217">
+                <a:tc>
+                  <a:txBody>
+                    <a:bodyPr/>
+                    <a:lstStyle/>
+                    <a:p>
+                      <a:pPr algn="ctr"/>
+                      <a:r>
+                        <a:rPr lang="pt-BR" sz="1400" b="1" dirty="0" err="1"/>
+                        <a:t>Result</a:t>
+                      </a:r>
+                      <a:endParaRPr lang="en-US" sz="1400" b="1" dirty="0"/>
+                    </a:p>
+                  </a:txBody>
+                  <a:tcPr anchor="ctr">
+                    <a:noFill/>
+                  </a:tcPr>
+                </a:tc>
+                <a:tc>
+                  <a:txBody>
+                    <a:bodyPr/>
+                    <a:lstStyle/>
+                    <a:p>
+                      <a:pPr algn="l"/>
+                      <a:r>
+                        <a:rPr lang="pt-BR" sz="1400" dirty="0"/>
+                        <a:t>Use </a:t>
+                      </a:r>
+                      <a:r>
+                        <a:rPr lang="pt-BR" sz="1400" dirty="0" err="1"/>
+                        <a:t>Cyclistc</a:t>
+                      </a:r>
+                      <a:r>
+                        <a:rPr lang="pt-BR" sz="1400" dirty="0"/>
+                        <a:t> bikes for </a:t>
+                      </a:r>
+                      <a:r>
+                        <a:rPr lang="pt-BR" sz="1400" dirty="0" err="1"/>
+                        <a:t>everyday</a:t>
+                      </a:r>
+                      <a:r>
+                        <a:rPr lang="pt-BR" sz="1400" dirty="0"/>
+                        <a:t> </a:t>
+                      </a:r>
+                      <a:r>
+                        <a:rPr lang="pt-BR" sz="1400" dirty="0" err="1"/>
+                        <a:t>activities</a:t>
+                      </a:r>
+                      <a:r>
+                        <a:rPr lang="pt-BR" sz="1400" dirty="0"/>
+                        <a:t>: </a:t>
+                      </a:r>
+                      <a:r>
+                        <a:rPr lang="pt-BR" sz="1400" dirty="0" err="1"/>
+                        <a:t>work</a:t>
+                      </a:r>
+                      <a:r>
+                        <a:rPr lang="pt-BR" sz="1400" dirty="0"/>
+                        <a:t>, shopping, </a:t>
+                      </a:r>
+                      <a:r>
+                        <a:rPr lang="pt-BR" sz="1400" dirty="0" err="1"/>
+                        <a:t>study</a:t>
+                      </a:r>
+                      <a:endParaRPr lang="en-US" sz="1400" dirty="0"/>
+                    </a:p>
+                  </a:txBody>
+                  <a:tcPr anchor="ctr">
+                    <a:noFill/>
+                  </a:tcPr>
+                </a:tc>
+                <a:tc>
+                  <a:txBody>
+                    <a:bodyPr/>
+                    <a:lstStyle/>
+                    <a:p>
+                      <a:pPr algn="l"/>
+                      <a:r>
+                        <a:rPr lang="pt-BR" sz="1400" dirty="0"/>
+                        <a:t>Use </a:t>
+                      </a:r>
+                      <a:r>
+                        <a:rPr lang="pt-BR" sz="1400" dirty="0" err="1"/>
+                        <a:t>Cyclistic</a:t>
+                      </a:r>
+                      <a:r>
+                        <a:rPr lang="pt-BR" sz="1400" dirty="0"/>
+                        <a:t> bikes for </a:t>
+                      </a:r>
+                      <a:r>
+                        <a:rPr lang="pt-BR" sz="1400" dirty="0" err="1"/>
+                        <a:t>tourism</a:t>
+                      </a:r>
+                      <a:r>
+                        <a:rPr lang="pt-BR" sz="1400" dirty="0"/>
+                        <a:t>, </a:t>
+                      </a:r>
+                      <a:r>
+                        <a:rPr lang="pt-BR" sz="1400" dirty="0" err="1"/>
+                        <a:t>leisure</a:t>
+                      </a:r>
+                      <a:r>
+                        <a:rPr lang="pt-BR" sz="1400" dirty="0"/>
+                        <a:t>, </a:t>
+                      </a:r>
+                      <a:r>
+                        <a:rPr lang="pt-BR" sz="1400" dirty="0" err="1"/>
+                        <a:t>sport</a:t>
+                      </a:r>
+                      <a:endParaRPr lang="en-US" sz="1400" dirty="0"/>
+                    </a:p>
+                  </a:txBody>
+                  <a:tcPr anchor="ctr">
+                    <a:noFill/>
+                  </a:tcPr>
+                </a:tc>
+                <a:extLst>
+                  <a:ext uri="{0D108BD9-81ED-4DB2-BD59-A6C34878D82A}">
+                    <a16:rowId xmlns:a16="http://schemas.microsoft.com/office/drawing/2014/main" val="3539991923"/>
                   </a:ext>
                 </a:extLst>
               </a:tr>
@@ -17451,7 +17907,7 @@
                 <a:spcPts val="0"/>
               </a:spcBef>
               <a:spcAft>
-                <a:spcPts val="0"/>
+                <a:spcPts val="600"/>
               </a:spcAft>
               <a:buClr>
                 <a:schemeClr val="accent2"/>
@@ -17595,11 +18051,138 @@
               </a:rPr>
               <a:t>.</a:t>
             </a:r>
-            <a:endParaRPr dirty="0">
-              <a:solidFill>
+          </a:p>
+          <a:p>
+            <a:pPr marL="457200" lvl="0" indent="-342900" algn="just" rtl="0">
+              <a:spcBef>
+                <a:spcPts val="0"/>
+              </a:spcBef>
+              <a:spcAft>
+                <a:spcPts val="600"/>
+              </a:spcAft>
+              <a:buClr>
                 <a:schemeClr val="accent2"/>
-              </a:solidFill>
-            </a:endParaRPr>
+              </a:buClr>
+              <a:buSzPts val="1800"/>
+              <a:buChar char="●"/>
+            </a:pPr>
+            <a:r>
+              <a:rPr lang="pt-BR" dirty="0" err="1">
+                <a:solidFill>
+                  <a:schemeClr val="accent2"/>
+                </a:solidFill>
+              </a:rPr>
+              <a:t>Preference</a:t>
+            </a:r>
+            <a:r>
+              <a:rPr lang="pt-BR" dirty="0">
+                <a:solidFill>
+                  <a:schemeClr val="accent2"/>
+                </a:solidFill>
+              </a:rPr>
+              <a:t> for hot </a:t>
+            </a:r>
+            <a:r>
+              <a:rPr lang="pt-BR" dirty="0" err="1">
+                <a:solidFill>
+                  <a:schemeClr val="accent2"/>
+                </a:solidFill>
+              </a:rPr>
+              <a:t>seasons</a:t>
+            </a:r>
+            <a:r>
+              <a:rPr lang="pt-BR" dirty="0">
+                <a:solidFill>
+                  <a:schemeClr val="accent2"/>
+                </a:solidFill>
+              </a:rPr>
+              <a:t>: </a:t>
+            </a:r>
+            <a:r>
+              <a:rPr lang="pt-BR" dirty="0" err="1">
+                <a:solidFill>
+                  <a:schemeClr val="accent2"/>
+                </a:solidFill>
+                <a:highlight>
+                  <a:srgbClr val="EEFF41"/>
+                </a:highlight>
+              </a:rPr>
+              <a:t>most</a:t>
+            </a:r>
+            <a:r>
+              <a:rPr lang="pt-BR" dirty="0">
+                <a:solidFill>
+                  <a:schemeClr val="accent2"/>
+                </a:solidFill>
+                <a:highlight>
+                  <a:srgbClr val="EEFF41"/>
+                </a:highlight>
+              </a:rPr>
+              <a:t> </a:t>
+            </a:r>
+            <a:r>
+              <a:rPr lang="pt-BR" dirty="0" err="1">
+                <a:solidFill>
+                  <a:schemeClr val="accent2"/>
+                </a:solidFill>
+                <a:highlight>
+                  <a:srgbClr val="EEFF41"/>
+                </a:highlight>
+              </a:rPr>
+              <a:t>casuals</a:t>
+            </a:r>
+            <a:r>
+              <a:rPr lang="pt-BR" dirty="0">
+                <a:solidFill>
+                  <a:schemeClr val="accent2"/>
+                </a:solidFill>
+                <a:highlight>
+                  <a:srgbClr val="EEFF41"/>
+                </a:highlight>
+              </a:rPr>
+              <a:t> ride for </a:t>
+            </a:r>
+            <a:r>
+              <a:rPr lang="pt-BR" dirty="0" err="1">
+                <a:solidFill>
+                  <a:schemeClr val="accent2"/>
+                </a:solidFill>
+                <a:highlight>
+                  <a:srgbClr val="EEFF41"/>
+                </a:highlight>
+              </a:rPr>
+              <a:t>leisure</a:t>
+            </a:r>
+            <a:r>
+              <a:rPr lang="pt-BR" dirty="0">
+                <a:solidFill>
+                  <a:schemeClr val="accent2"/>
+                </a:solidFill>
+                <a:highlight>
+                  <a:srgbClr val="EEFF41"/>
+                </a:highlight>
+              </a:rPr>
+              <a:t>/</a:t>
+            </a:r>
+            <a:r>
+              <a:rPr lang="pt-BR" dirty="0" err="1">
+                <a:solidFill>
+                  <a:schemeClr val="accent2"/>
+                </a:solidFill>
+                <a:highlight>
+                  <a:srgbClr val="EEFF41"/>
+                </a:highlight>
+              </a:rPr>
+              <a:t>tourism</a:t>
+            </a:r>
+            <a:r>
+              <a:rPr lang="pt-BR" dirty="0">
+                <a:solidFill>
+                  <a:schemeClr val="accent2"/>
+                </a:solidFill>
+              </a:rPr>
+              <a:t>.</a:t>
+            </a:r>
           </a:p>
         </p:txBody>
       </p:sp>
@@ -17873,7 +18456,7 @@
         <p:spPr>
           <a:xfrm>
             <a:off x="169500" y="863550"/>
-            <a:ext cx="2099312" cy="4118400"/>
+            <a:ext cx="2243696" cy="4118400"/>
           </a:xfrm>
           <a:prstGeom prst="rect">
             <a:avLst/>
@@ -17960,7 +18543,26 @@
                   <a:schemeClr val="accent2"/>
                 </a:solidFill>
               </a:rPr>
-              <a:t>…</a:t>
+              <a:t> – </a:t>
+            </a:r>
+            <a:r>
+              <a:rPr lang="pt-BR" dirty="0" err="1">
+                <a:solidFill>
+                  <a:schemeClr val="accent2"/>
+                </a:solidFill>
+                <a:highlight>
+                  <a:srgbClr val="EEFF41"/>
+                </a:highlight>
+              </a:rPr>
+              <a:t>commuters</a:t>
+            </a:r>
+            <a:r>
+              <a:rPr lang="pt-BR" dirty="0">
+                <a:solidFill>
+                  <a:schemeClr val="accent2"/>
+                </a:solidFill>
+              </a:rPr>
+              <a:t>. </a:t>
             </a:r>
             <a:endParaRPr dirty="0">
               <a:solidFill>
@@ -18052,7 +18654,48 @@
                   <a:schemeClr val="accent2"/>
                 </a:solidFill>
               </a:rPr>
-              <a:t> weekends.</a:t>
+              <a:t> weekends – </a:t>
+            </a:r>
+            <a:r>
+              <a:rPr lang="pt-BR" dirty="0" err="1">
+                <a:solidFill>
+                  <a:schemeClr val="accent2"/>
+                </a:solidFill>
+                <a:highlight>
+                  <a:srgbClr val="EEFF41"/>
+                </a:highlight>
+              </a:rPr>
+              <a:t>leisure</a:t>
+            </a:r>
+            <a:r>
+              <a:rPr lang="pt-BR" dirty="0">
+                <a:solidFill>
+                  <a:schemeClr val="accent2"/>
+                </a:solidFill>
+                <a:highlight>
+                  <a:srgbClr val="EEFF41"/>
+                </a:highlight>
+              </a:rPr>
+              <a:t>/</a:t>
+            </a:r>
+            <a:r>
+              <a:rPr lang="pt-BR" dirty="0" err="1">
+                <a:solidFill>
+                  <a:schemeClr val="accent2"/>
+                </a:solidFill>
+                <a:highlight>
+                  <a:srgbClr val="EEFF41"/>
+                </a:highlight>
+              </a:rPr>
+              <a:t>tourism</a:t>
+            </a:r>
+            <a:r>
+              <a:rPr lang="pt-BR" dirty="0">
+                <a:solidFill>
+                  <a:schemeClr val="accent2"/>
+                </a:solidFill>
+              </a:rPr>
+              <a:t>.</a:t>
             </a:r>
             <a:endParaRPr dirty="0">
               <a:solidFill>
